--- a/ЦИТИК демо-день.pptx
+++ b/ЦИТИК демо-день.pptx
@@ -7,8 +7,9 @@
   <p:sldIdLst>
     <p:sldId id="256" r:id="rId2"/>
     <p:sldId id="261" r:id="rId3"/>
-    <p:sldId id="262" r:id="rId4"/>
-    <p:sldId id="260" r:id="rId5"/>
+    <p:sldId id="263" r:id="rId4"/>
+    <p:sldId id="262" r:id="rId5"/>
+    <p:sldId id="260" r:id="rId6"/>
   </p:sldIdLst>
   <p:sldSz cx="12192000" cy="6858000"/>
   <p:notesSz cx="6858000" cy="9144000"/>
@@ -2757,6 +2758,233 @@
           <a:chExt cx="0" cy="0"/>
         </a:xfrm>
       </p:grpSpPr>
+      <p:sp>
+        <p:nvSpPr>
+          <p:cNvPr id="2" name="Объект 1"/>
+          <p:cNvSpPr>
+            <a:spLocks noGrp="1"/>
+          </p:cNvSpPr>
+          <p:nvPr>
+            <p:ph idx="1"/>
+          </p:nvPr>
+        </p:nvSpPr>
+        <p:spPr/>
+        <p:txBody>
+          <a:bodyPr/>
+          <a:lstStyle/>
+          <a:p>
+            <a:r>
+              <a:rPr lang="ru-RU" dirty="0"/>
+              <a:t>Наша команда</a:t>
+            </a:r>
+          </a:p>
+        </p:txBody>
+      </p:sp>
+      <p:sp>
+        <p:nvSpPr>
+          <p:cNvPr id="3" name="Объект 2"/>
+          <p:cNvSpPr>
+            <a:spLocks noGrp="1"/>
+          </p:cNvSpPr>
+          <p:nvPr>
+            <p:ph sz="half" idx="10"/>
+          </p:nvPr>
+        </p:nvSpPr>
+        <p:spPr/>
+        <p:txBody>
+          <a:bodyPr>
+            <a:normAutofit/>
+          </a:bodyPr>
+          <a:lstStyle/>
+          <a:p>
+            <a:endParaRPr lang="ru-RU" b="0" dirty="0"/>
+          </a:p>
+          <a:p>
+            <a:pPr marL="369888" indent="-369888" latinLnBrk="1">
+              <a:lnSpc>
+                <a:spcPct val="110000"/>
+              </a:lnSpc>
+            </a:pPr>
+            <a:r>
+              <a:rPr lang="ru-RU" altLang="en-US" dirty="0" err="1">
+                <a:latin typeface="Times New Roman" pitchFamily="18" charset="0"/>
+                <a:cs typeface="Times New Roman" pitchFamily="18" charset="0"/>
+              </a:rPr>
+              <a:t>TeamLead</a:t>
+            </a:r>
+            <a:r>
+              <a:rPr lang="ru-RU" altLang="en-US" dirty="0">
+                <a:latin typeface="Times New Roman" pitchFamily="18" charset="0"/>
+                <a:cs typeface="Times New Roman" pitchFamily="18" charset="0"/>
+              </a:rPr>
+              <a:t> &amp; </a:t>
+            </a:r>
+            <a:r>
+              <a:rPr lang="en-US" altLang="en-US" dirty="0">
+                <a:latin typeface="Times New Roman" pitchFamily="18" charset="0"/>
+                <a:cs typeface="Times New Roman" pitchFamily="18" charset="0"/>
+              </a:rPr>
+              <a:t>Designer</a:t>
+            </a:r>
+            <a:r>
+              <a:rPr lang="ru-RU" altLang="en-US" dirty="0">
+                <a:latin typeface="Times New Roman" pitchFamily="18" charset="0"/>
+                <a:cs typeface="Times New Roman" pitchFamily="18" charset="0"/>
+              </a:rPr>
+              <a:t> - Князев Никита</a:t>
+            </a:r>
+          </a:p>
+          <a:p>
+            <a:pPr marL="369888" indent="-369888" latinLnBrk="1">
+              <a:lnSpc>
+                <a:spcPct val="110000"/>
+              </a:lnSpc>
+            </a:pPr>
+            <a:r>
+              <a:rPr lang="ru-RU" altLang="en-US" dirty="0" err="1">
+                <a:latin typeface="Times New Roman" pitchFamily="18" charset="0"/>
+                <a:cs typeface="Times New Roman" pitchFamily="18" charset="0"/>
+              </a:rPr>
+              <a:t>Front-end</a:t>
+            </a:r>
+            <a:r>
+              <a:rPr lang="ru-RU" altLang="en-US" dirty="0">
+                <a:latin typeface="Times New Roman" pitchFamily="18" charset="0"/>
+                <a:cs typeface="Times New Roman" pitchFamily="18" charset="0"/>
+              </a:rPr>
+              <a:t> - Ковалёв Денис</a:t>
+            </a:r>
+          </a:p>
+          <a:p>
+            <a:pPr marL="369888" indent="-369888" latinLnBrk="1">
+              <a:lnSpc>
+                <a:spcPct val="110000"/>
+              </a:lnSpc>
+            </a:pPr>
+            <a:r>
+              <a:rPr lang="ru-RU" altLang="en-US" dirty="0" err="1">
+                <a:latin typeface="Times New Roman" pitchFamily="18" charset="0"/>
+                <a:cs typeface="Times New Roman" pitchFamily="18" charset="0"/>
+              </a:rPr>
+              <a:t>Back-end</a:t>
+            </a:r>
+            <a:r>
+              <a:rPr lang="ru-RU" altLang="en-US" dirty="0">
+                <a:latin typeface="Times New Roman" pitchFamily="18" charset="0"/>
+                <a:cs typeface="Times New Roman" pitchFamily="18" charset="0"/>
+              </a:rPr>
+              <a:t> – Романычев Леонид</a:t>
+            </a:r>
+            <a:endParaRPr lang="ru-RU" altLang="en-US" dirty="0">
+              <a:solidFill>
+                <a:srgbClr val="FFFFFF"/>
+              </a:solidFill>
+              <a:latin typeface="Times New Roman" pitchFamily="18" charset="0"/>
+              <a:cs typeface="Times New Roman" pitchFamily="18" charset="0"/>
+            </a:endParaRPr>
+          </a:p>
+          <a:p>
+            <a:pPr marL="369888" indent="-369888" latinLnBrk="1">
+              <a:lnSpc>
+                <a:spcPct val="110000"/>
+              </a:lnSpc>
+            </a:pPr>
+            <a:r>
+              <a:rPr lang="ru-RU" altLang="en-US" dirty="0">
+                <a:latin typeface="Times New Roman" pitchFamily="18" charset="0"/>
+                <a:cs typeface="Times New Roman" pitchFamily="18" charset="0"/>
+              </a:rPr>
+              <a:t>F</a:t>
+            </a:r>
+            <a:r>
+              <a:rPr lang="en-US" altLang="en-US" dirty="0" err="1">
+                <a:latin typeface="Times New Roman" pitchFamily="18" charset="0"/>
+                <a:cs typeface="Times New Roman" pitchFamily="18" charset="0"/>
+              </a:rPr>
+              <a:t>ront</a:t>
+            </a:r>
+            <a:r>
+              <a:rPr lang="en-US" altLang="en-US" dirty="0">
+                <a:latin typeface="Times New Roman" pitchFamily="18" charset="0"/>
+                <a:cs typeface="Times New Roman" pitchFamily="18" charset="0"/>
+              </a:rPr>
+              <a:t>-end &amp; Adviser</a:t>
+            </a:r>
+            <a:r>
+              <a:rPr lang="ru-RU" altLang="en-US" dirty="0">
+                <a:latin typeface="Times New Roman" pitchFamily="18" charset="0"/>
+                <a:cs typeface="Times New Roman" pitchFamily="18" charset="0"/>
+              </a:rPr>
+              <a:t> - Петров Михаил</a:t>
+            </a:r>
+          </a:p>
+          <a:p>
+            <a:pPr marL="369888" indent="-369888" latinLnBrk="1">
+              <a:lnSpc>
+                <a:spcPct val="110000"/>
+              </a:lnSpc>
+            </a:pPr>
+            <a:r>
+              <a:rPr lang="ru-RU" altLang="en-US" dirty="0" err="1">
+                <a:latin typeface="Times New Roman" pitchFamily="18" charset="0"/>
+                <a:cs typeface="Times New Roman" pitchFamily="18" charset="0"/>
+              </a:rPr>
+              <a:t>Quality</a:t>
+            </a:r>
+            <a:r>
+              <a:rPr lang="ru-RU" altLang="en-US" dirty="0">
+                <a:latin typeface="Times New Roman" pitchFamily="18" charset="0"/>
+                <a:cs typeface="Times New Roman" pitchFamily="18" charset="0"/>
+              </a:rPr>
+              <a:t> </a:t>
+            </a:r>
+            <a:r>
+              <a:rPr lang="ru-RU" altLang="en-US" dirty="0" err="1">
+                <a:latin typeface="Times New Roman" pitchFamily="18" charset="0"/>
+                <a:cs typeface="Times New Roman" pitchFamily="18" charset="0"/>
+              </a:rPr>
+              <a:t>Assurance</a:t>
+            </a:r>
+            <a:r>
+              <a:rPr lang="ru-RU" altLang="en-US" dirty="0">
+                <a:latin typeface="Times New Roman" pitchFamily="18" charset="0"/>
+                <a:cs typeface="Times New Roman" pitchFamily="18" charset="0"/>
+              </a:rPr>
+              <a:t> - Тырышкина Анастасия</a:t>
+            </a:r>
+          </a:p>
+        </p:txBody>
+      </p:sp>
+    </p:spTree>
+    <p:extLst>
+      <p:ext uri="{BB962C8B-B14F-4D97-AF65-F5344CB8AC3E}">
+        <p14:creationId xmlns:p14="http://schemas.microsoft.com/office/powerpoint/2010/main" val="3193560277"/>
+      </p:ext>
+    </p:extLst>
+  </p:cSld>
+  <p:clrMapOvr>
+    <a:masterClrMapping/>
+  </p:clrMapOvr>
+</p:sld>
+</file>
+
+<file path=ppt/slides/slide4.xml><?xml version="1.0" encoding="utf-8"?>
+<p:sld xmlns:a="http://schemas.openxmlformats.org/drawingml/2006/main" xmlns:r="http://schemas.openxmlformats.org/officeDocument/2006/relationships" xmlns:p="http://schemas.openxmlformats.org/presentationml/2006/main">
+  <p:cSld>
+    <p:spTree>
+      <p:nvGrpSpPr>
+        <p:cNvPr id="1" name=""/>
+        <p:cNvGrpSpPr/>
+        <p:nvPr/>
+      </p:nvGrpSpPr>
+      <p:grpSpPr>
+        <a:xfrm>
+          <a:off x="0" y="0"/>
+          <a:ext cx="0" cy="0"/>
+          <a:chOff x="0" y="0"/>
+          <a:chExt cx="0" cy="0"/>
+        </a:xfrm>
+      </p:grpSpPr>
       <p:pic>
         <p:nvPicPr>
           <p:cNvPr id="6" name="Объект 5">
@@ -2926,7 +3154,7 @@
 </p:sld>
 </file>
 
-<file path=ppt/slides/slide4.xml><?xml version="1.0" encoding="utf-8"?>
+<file path=ppt/slides/slide5.xml><?xml version="1.0" encoding="utf-8"?>
 <p:sld xmlns:a="http://schemas.openxmlformats.org/drawingml/2006/main" xmlns:r="http://schemas.openxmlformats.org/officeDocument/2006/relationships" xmlns:p="http://schemas.openxmlformats.org/presentationml/2006/main">
   <p:cSld>
     <p:spTree>
@@ -2959,8 +3187,12 @@
           <a:lstStyle/>
           <a:p>
             <a:r>
+              <a:rPr lang="en-US" dirty="0"/>
+              <a:t>Demo</a:t>
+            </a:r>
+            <a:r>
               <a:rPr lang="ru-RU" dirty="0"/>
-              <a:t>Наш сайт:</a:t>
+              <a:t> версия приложения:</a:t>
             </a:r>
           </a:p>
           <a:p>
